--- a/TCC Daniel - Banca de Qualificação.pptx
+++ b/TCC Daniel - Banca de Qualificação.pptx
@@ -296,7 +296,7 @@
           <a:p>
             <a:fld id="{64FB0297-1540-4134-BB40-9276BEDDA7A3}" type="datetimeFigureOut">
               <a:rPr lang="pt-BR" smtClean="0"/>
-              <a:t>10/09/2023</a:t>
+              <a:t>11/09/2023</a:t>
             </a:fld>
             <a:endParaRPr lang="pt-BR"/>
           </a:p>
@@ -802,7 +802,7 @@
           <a:p>
             <a:fld id="{18FCA871-041D-4E44-A9CD-83B8D92503FE}" type="datetimeFigureOut">
               <a:rPr lang="pt-BR" smtClean="0"/>
-              <a:t>10/09/2023</a:t>
+              <a:t>11/09/2023</a:t>
             </a:fld>
             <a:endParaRPr lang="pt-BR"/>
           </a:p>
@@ -982,7 +982,7 @@
           <a:p>
             <a:fld id="{18FCA871-041D-4E44-A9CD-83B8D92503FE}" type="datetimeFigureOut">
               <a:rPr lang="pt-BR" smtClean="0"/>
-              <a:t>10/09/2023</a:t>
+              <a:t>11/09/2023</a:t>
             </a:fld>
             <a:endParaRPr lang="pt-BR"/>
           </a:p>
@@ -1172,7 +1172,7 @@
           <a:p>
             <a:fld id="{18FCA871-041D-4E44-A9CD-83B8D92503FE}" type="datetimeFigureOut">
               <a:rPr lang="pt-BR" smtClean="0"/>
-              <a:t>10/09/2023</a:t>
+              <a:t>11/09/2023</a:t>
             </a:fld>
             <a:endParaRPr lang="pt-BR"/>
           </a:p>
@@ -1437,7 +1437,7 @@
                 </a:solidFill>
               </a:rPr>
               <a:pPr/>
-              <a:t>9/10/2023</a:t>
+              <a:t>9/11/2023</a:t>
             </a:fld>
             <a:endParaRPr lang="en-US">
               <a:solidFill>
@@ -1639,7 +1639,7 @@
                 </a:solidFill>
               </a:rPr>
               <a:pPr/>
-              <a:t>9/10/2023</a:t>
+              <a:t>9/11/2023</a:t>
             </a:fld>
             <a:endParaRPr lang="en-US">
               <a:solidFill>
@@ -1917,7 +1917,7 @@
                 </a:solidFill>
               </a:rPr>
               <a:pPr/>
-              <a:t>9/10/2023</a:t>
+              <a:t>9/11/2023</a:t>
             </a:fld>
             <a:endParaRPr lang="en-US">
               <a:solidFill>
@@ -2237,7 +2237,7 @@
                 </a:solidFill>
               </a:rPr>
               <a:pPr/>
-              <a:t>9/10/2023</a:t>
+              <a:t>9/11/2023</a:t>
             </a:fld>
             <a:endParaRPr lang="en-US">
               <a:solidFill>
@@ -2691,7 +2691,7 @@
                 </a:solidFill>
               </a:rPr>
               <a:pPr/>
-              <a:t>9/10/2023</a:t>
+              <a:t>9/11/2023</a:t>
             </a:fld>
             <a:endParaRPr lang="en-US">
               <a:solidFill>
@@ -2841,7 +2841,7 @@
                 </a:solidFill>
               </a:rPr>
               <a:pPr/>
-              <a:t>9/10/2023</a:t>
+              <a:t>9/11/2023</a:t>
             </a:fld>
             <a:endParaRPr lang="en-US">
               <a:solidFill>
@@ -2968,7 +2968,7 @@
                 </a:solidFill>
               </a:rPr>
               <a:pPr/>
-              <a:t>9/10/2023</a:t>
+              <a:t>9/11/2023</a:t>
             </a:fld>
             <a:endParaRPr lang="en-US">
               <a:solidFill>
@@ -3277,7 +3277,7 @@
                 </a:solidFill>
               </a:rPr>
               <a:pPr/>
-              <a:t>9/10/2023</a:t>
+              <a:t>9/11/2023</a:t>
             </a:fld>
             <a:endParaRPr lang="en-US">
               <a:solidFill>
@@ -3474,7 +3474,7 @@
           <a:p>
             <a:fld id="{18FCA871-041D-4E44-A9CD-83B8D92503FE}" type="datetimeFigureOut">
               <a:rPr lang="pt-BR" smtClean="0"/>
-              <a:t>10/09/2023</a:t>
+              <a:t>11/09/2023</a:t>
             </a:fld>
             <a:endParaRPr lang="pt-BR"/>
           </a:p>
@@ -3746,7 +3746,7 @@
                 </a:solidFill>
               </a:rPr>
               <a:pPr/>
-              <a:t>9/10/2023</a:t>
+              <a:t>9/11/2023</a:t>
             </a:fld>
             <a:endParaRPr lang="en-US">
               <a:solidFill>
@@ -3948,7 +3948,7 @@
                 </a:solidFill>
               </a:rPr>
               <a:pPr/>
-              <a:t>9/10/2023</a:t>
+              <a:t>9/11/2023</a:t>
             </a:fld>
             <a:endParaRPr lang="en-US">
               <a:solidFill>
@@ -4160,7 +4160,7 @@
                 </a:solidFill>
               </a:rPr>
               <a:pPr/>
-              <a:t>9/10/2023</a:t>
+              <a:t>9/11/2023</a:t>
             </a:fld>
             <a:endParaRPr lang="en-US">
               <a:solidFill>
@@ -4434,7 +4434,7 @@
           <a:p>
             <a:fld id="{18FCA871-041D-4E44-A9CD-83B8D92503FE}" type="datetimeFigureOut">
               <a:rPr lang="pt-BR" smtClean="0"/>
-              <a:t>10/09/2023</a:t>
+              <a:t>11/09/2023</a:t>
             </a:fld>
             <a:endParaRPr lang="pt-BR"/>
           </a:p>
@@ -4731,7 +4731,7 @@
           <a:p>
             <a:fld id="{18FCA871-041D-4E44-A9CD-83B8D92503FE}" type="datetimeFigureOut">
               <a:rPr lang="pt-BR" smtClean="0"/>
-              <a:t>10/09/2023</a:t>
+              <a:t>11/09/2023</a:t>
             </a:fld>
             <a:endParaRPr lang="pt-BR"/>
           </a:p>
@@ -5162,7 +5162,7 @@
           <a:p>
             <a:fld id="{18FCA871-041D-4E44-A9CD-83B8D92503FE}" type="datetimeFigureOut">
               <a:rPr lang="pt-BR" smtClean="0"/>
-              <a:t>10/09/2023</a:t>
+              <a:t>11/09/2023</a:t>
             </a:fld>
             <a:endParaRPr lang="pt-BR"/>
           </a:p>
@@ -5291,7 +5291,7 @@
           <a:p>
             <a:fld id="{18FCA871-041D-4E44-A9CD-83B8D92503FE}" type="datetimeFigureOut">
               <a:rPr lang="pt-BR" smtClean="0"/>
-              <a:t>10/09/2023</a:t>
+              <a:t>11/09/2023</a:t>
             </a:fld>
             <a:endParaRPr lang="pt-BR"/>
           </a:p>
@@ -5398,7 +5398,7 @@
           <a:p>
             <a:fld id="{18FCA871-041D-4E44-A9CD-83B8D92503FE}" type="datetimeFigureOut">
               <a:rPr lang="pt-BR" smtClean="0"/>
-              <a:t>10/09/2023</a:t>
+              <a:t>11/09/2023</a:t>
             </a:fld>
             <a:endParaRPr lang="pt-BR"/>
           </a:p>
@@ -5685,7 +5685,7 @@
           <a:p>
             <a:fld id="{18FCA871-041D-4E44-A9CD-83B8D92503FE}" type="datetimeFigureOut">
               <a:rPr lang="pt-BR" smtClean="0"/>
-              <a:t>10/09/2023</a:t>
+              <a:t>11/09/2023</a:t>
             </a:fld>
             <a:endParaRPr lang="pt-BR"/>
           </a:p>
@@ -5955,7 +5955,7 @@
           <a:p>
             <a:fld id="{18FCA871-041D-4E44-A9CD-83B8D92503FE}" type="datetimeFigureOut">
               <a:rPr lang="pt-BR" smtClean="0"/>
-              <a:t>10/09/2023</a:t>
+              <a:t>11/09/2023</a:t>
             </a:fld>
             <a:endParaRPr lang="pt-BR"/>
           </a:p>
@@ -6232,7 +6232,7 @@
           <a:p>
             <a:fld id="{18FCA871-041D-4E44-A9CD-83B8D92503FE}" type="datetimeFigureOut">
               <a:rPr lang="pt-BR" smtClean="0"/>
-              <a:t>10/09/2023</a:t>
+              <a:t>11/09/2023</a:t>
             </a:fld>
             <a:endParaRPr lang="pt-BR"/>
           </a:p>
@@ -6946,7 +6946,7 @@
                 </a:solidFill>
               </a:rPr>
               <a:pPr/>
-              <a:t>9/10/2023</a:t>
+              <a:t>9/11/2023</a:t>
             </a:fld>
             <a:endParaRPr lang="en-US">
               <a:solidFill>
@@ -8855,24 +8855,10 @@
             <a:endParaRPr lang="pt-BR" dirty="0"/>
           </a:p>
           <a:p>
-            <a:r>
-              <a:rPr lang="pt-BR" dirty="0" err="1">
-                <a:ea typeface="+mn-lt"/>
-                <a:cs typeface="+mn-lt"/>
-              </a:rPr>
-              <a:t>Fornecer</a:t>
-            </a:r>
-            <a:r>
-              <a:rPr lang="pt-BR" dirty="0">
-                <a:ea typeface="+mn-lt"/>
-                <a:cs typeface="+mn-lt"/>
-              </a:rPr>
-              <a:t> uma função para que os representantes visualizem KPIs padrão.</a:t>
-            </a:r>
-            <a:endParaRPr lang="pt-BR" dirty="0"/>
-          </a:p>
-          <a:p>
-            <a:endParaRPr lang="pt-BR" dirty="0">
+            <a:pPr marL="0" indent="0">
+              <a:buNone/>
+            </a:pPr>
+            <a:endParaRPr lang="pt-BR" u="sng" dirty="0">
               <a:cs typeface="Calibri"/>
             </a:endParaRPr>
           </a:p>
@@ -11149,14 +11135,6 @@
 </file>
 
 <file path=customXml/item1.xml><?xml version="1.0" encoding="utf-8"?>
-<p:properties xmlns:p="http://schemas.microsoft.com/office/2006/metadata/properties" xmlns:xsi="http://www.w3.org/2001/XMLSchema-instance" xmlns:pc="http://schemas.microsoft.com/office/infopath/2007/PartnerControls">
-  <documentManagement>
-    <ReferenceId xmlns="0c00dd62-bc80-4996-b469-5187731d9b62" xsi:nil="true"/>
-  </documentManagement>
-</p:properties>
-</file>
-
-<file path=customXml/item2.xml><?xml version="1.0" encoding="utf-8"?>
 <ct:contentTypeSchema xmlns:ct="http://schemas.microsoft.com/office/2006/metadata/contentType" xmlns:ma="http://schemas.microsoft.com/office/2006/metadata/properties/metaAttributes" ct:_="" ma:_="" ma:contentTypeName="Documento" ma:contentTypeID="0x01010097BFE80B6F248C4DB4B0D13C9A4C97E9" ma:contentTypeVersion="4" ma:contentTypeDescription="Crie um novo documento." ma:contentTypeScope="" ma:versionID="3ea77efc6f4d9d88cadf480fc24027a2">
   <xsd:schema xmlns:xsd="http://www.w3.org/2001/XMLSchema" xmlns:xs="http://www.w3.org/2001/XMLSchema" xmlns:p="http://schemas.microsoft.com/office/2006/metadata/properties" xmlns:ns2="0c00dd62-bc80-4996-b469-5187731d9b62" targetNamespace="http://schemas.microsoft.com/office/2006/metadata/properties" ma:root="true" ma:fieldsID="926814de9a6d5c60ef48353d0079e42f" ns2:_="">
     <xsd:import namespace="0c00dd62-bc80-4996-b469-5187731d9b62"/>
@@ -11300,6 +11278,14 @@
 </ct:contentTypeSchema>
 </file>
 
+<file path=customXml/item2.xml><?xml version="1.0" encoding="utf-8"?>
+<p:properties xmlns:p="http://schemas.microsoft.com/office/2006/metadata/properties" xmlns:xsi="http://www.w3.org/2001/XMLSchema-instance" xmlns:pc="http://schemas.microsoft.com/office/infopath/2007/PartnerControls">
+  <documentManagement>
+    <ReferenceId xmlns="0c00dd62-bc80-4996-b469-5187731d9b62" xsi:nil="true"/>
+  </documentManagement>
+</p:properties>
+</file>
+
 <file path=customXml/item3.xml><?xml version="1.0" encoding="utf-8"?>
 <?mso-contentType ?>
 <FormTemplates xmlns="http://schemas.microsoft.com/sharepoint/v3/contenttype/forms">
@@ -11310,16 +11296,6 @@
 </file>
 
 <file path=customXml/itemProps1.xml><?xml version="1.0" encoding="utf-8"?>
-<ds:datastoreItem xmlns:ds="http://schemas.openxmlformats.org/officeDocument/2006/customXml" ds:itemID="{87F18DE9-1E5F-4A28-9117-FD16D834BC70}">
-  <ds:schemaRefs>
-    <ds:schemaRef ds:uri="http://schemas.microsoft.com/office/2006/metadata/properties"/>
-    <ds:schemaRef ds:uri="http://schemas.microsoft.com/office/infopath/2007/PartnerControls"/>
-    <ds:schemaRef ds:uri="0c00dd62-bc80-4996-b469-5187731d9b62"/>
-  </ds:schemaRefs>
-</ds:datastoreItem>
-</file>
-
-<file path=customXml/itemProps2.xml><?xml version="1.0" encoding="utf-8"?>
 <ds:datastoreItem xmlns:ds="http://schemas.openxmlformats.org/officeDocument/2006/customXml" ds:itemID="{F1844051-E8C5-4859-9C4C-8B32C6084CD0}">
   <ds:schemaRefs>
     <ds:schemaRef ds:uri="http://schemas.microsoft.com/office/2006/metadata/contentType"/>
@@ -11337,6 +11313,16 @@
 </ds:datastoreItem>
 </file>
 
+<file path=customXml/itemProps2.xml><?xml version="1.0" encoding="utf-8"?>
+<ds:datastoreItem xmlns:ds="http://schemas.openxmlformats.org/officeDocument/2006/customXml" ds:itemID="{87F18DE9-1E5F-4A28-9117-FD16D834BC70}">
+  <ds:schemaRefs>
+    <ds:schemaRef ds:uri="http://schemas.microsoft.com/office/2006/metadata/properties"/>
+    <ds:schemaRef ds:uri="http://schemas.microsoft.com/office/infopath/2007/PartnerControls"/>
+    <ds:schemaRef ds:uri="0c00dd62-bc80-4996-b469-5187731d9b62"/>
+  </ds:schemaRefs>
+</ds:datastoreItem>
+</file>
+
 <file path=customXml/itemProps3.xml><?xml version="1.0" encoding="utf-8"?>
 <ds:datastoreItem xmlns:ds="http://schemas.openxmlformats.org/officeDocument/2006/customXml" ds:itemID="{1B01B8A1-6415-4B18-BEB4-D07D721F420D}">
   <ds:schemaRefs>
